--- a/java_introduction.pptx
+++ b/java_introduction.pptx
@@ -18,6 +18,7 @@
     <p:sldId id="267" r:id="rId12"/>
     <p:sldId id="266" r:id="rId13"/>
     <p:sldId id="269" r:id="rId14"/>
+    <p:sldId id="270" r:id="rId15"/>
   </p:sldIdLst>
   <p:sldSz cx="12192000" cy="6858000"/>
   <p:notesSz cx="6858000" cy="9144000"/>
@@ -295,7 +296,7 @@
           <a:p>
             <a:fld id="{48A87A34-81AB-432B-8DAE-1953F412C126}" type="datetimeFigureOut">
               <a:rPr lang="en-US" dirty="0"/>
-              <a:t>7/4/21</a:t>
+              <a:t>7/11/21</a:t>
             </a:fld>
             <a:endParaRPr lang="en-US" dirty="0"/>
           </a:p>
@@ -602,7 +603,7 @@
           <a:p>
             <a:fld id="{48A87A34-81AB-432B-8DAE-1953F412C126}" type="datetimeFigureOut">
               <a:rPr lang="en-US" dirty="0"/>
-              <a:t>7/4/21</a:t>
+              <a:t>7/11/21</a:t>
             </a:fld>
             <a:endParaRPr lang="en-US" dirty="0"/>
           </a:p>
@@ -819,7 +820,7 @@
           <a:p>
             <a:fld id="{48A87A34-81AB-432B-8DAE-1953F412C126}" type="datetimeFigureOut">
               <a:rPr lang="en-US" dirty="0"/>
-              <a:t>7/4/21</a:t>
+              <a:t>7/11/21</a:t>
             </a:fld>
             <a:endParaRPr lang="en-US" dirty="0"/>
           </a:p>
@@ -1105,7 +1106,7 @@
           <a:p>
             <a:fld id="{48A87A34-81AB-432B-8DAE-1953F412C126}" type="datetimeFigureOut">
               <a:rPr lang="en-US" dirty="0"/>
-              <a:t>7/4/21</a:t>
+              <a:t>7/11/21</a:t>
             </a:fld>
             <a:endParaRPr lang="en-US" dirty="0"/>
           </a:p>
@@ -1554,7 +1555,7 @@
           <a:p>
             <a:fld id="{48A87A34-81AB-432B-8DAE-1953F412C126}" type="datetimeFigureOut">
               <a:rPr lang="en-US" dirty="0"/>
-              <a:t>7/4/21</a:t>
+              <a:t>7/11/21</a:t>
             </a:fld>
             <a:endParaRPr lang="en-US" dirty="0"/>
           </a:p>
@@ -2125,7 +2126,7 @@
           <a:p>
             <a:fld id="{48A87A34-81AB-432B-8DAE-1953F412C126}" type="datetimeFigureOut">
               <a:rPr lang="en-US" dirty="0"/>
-              <a:t>7/4/21</a:t>
+              <a:t>7/11/21</a:t>
             </a:fld>
             <a:endParaRPr lang="en-US" dirty="0"/>
           </a:p>
@@ -2972,7 +2973,7 @@
           <a:p>
             <a:fld id="{48A87A34-81AB-432B-8DAE-1953F412C126}" type="datetimeFigureOut">
               <a:rPr lang="en-US" dirty="0"/>
-              <a:t>7/4/21</a:t>
+              <a:t>7/11/21</a:t>
             </a:fld>
             <a:endParaRPr lang="en-US" dirty="0"/>
           </a:p>
@@ -3172,7 +3173,7 @@
           <a:p>
             <a:fld id="{48A87A34-81AB-432B-8DAE-1953F412C126}" type="datetimeFigureOut">
               <a:rPr lang="en-US" dirty="0"/>
-              <a:t>7/4/21</a:t>
+              <a:t>7/11/21</a:t>
             </a:fld>
             <a:endParaRPr lang="en-US" dirty="0"/>
           </a:p>
@@ -3381,7 +3382,7 @@
           <a:p>
             <a:fld id="{48A87A34-81AB-432B-8DAE-1953F412C126}" type="datetimeFigureOut">
               <a:rPr lang="en-US" dirty="0"/>
-              <a:t>7/4/21</a:t>
+              <a:t>7/11/21</a:t>
             </a:fld>
             <a:endParaRPr lang="en-US" dirty="0"/>
           </a:p>
@@ -3581,7 +3582,7 @@
           <a:p>
             <a:fld id="{48A87A34-81AB-432B-8DAE-1953F412C126}" type="datetimeFigureOut">
               <a:rPr lang="en-US" dirty="0"/>
-              <a:t>7/4/21</a:t>
+              <a:t>7/11/21</a:t>
             </a:fld>
             <a:endParaRPr lang="en-US" dirty="0"/>
           </a:p>
@@ -3856,7 +3857,7 @@
           <a:p>
             <a:fld id="{48A87A34-81AB-432B-8DAE-1953F412C126}" type="datetimeFigureOut">
               <a:rPr lang="en-US" dirty="0"/>
-              <a:t>7/4/21</a:t>
+              <a:t>7/11/21</a:t>
             </a:fld>
             <a:endParaRPr lang="en-US" dirty="0"/>
           </a:p>
@@ -4118,7 +4119,7 @@
           <a:p>
             <a:fld id="{48A87A34-81AB-432B-8DAE-1953F412C126}" type="datetimeFigureOut">
               <a:rPr lang="en-US" dirty="0"/>
-              <a:t>7/4/21</a:t>
+              <a:t>7/11/21</a:t>
             </a:fld>
             <a:endParaRPr lang="en-US" dirty="0"/>
           </a:p>
@@ -4528,7 +4529,7 @@
           <a:p>
             <a:fld id="{48A87A34-81AB-432B-8DAE-1953F412C126}" type="datetimeFigureOut">
               <a:rPr lang="en-US" dirty="0"/>
-              <a:t>7/4/21</a:t>
+              <a:t>7/11/21</a:t>
             </a:fld>
             <a:endParaRPr lang="en-US" dirty="0"/>
           </a:p>
@@ -4671,7 +4672,7 @@
           <a:p>
             <a:fld id="{48A87A34-81AB-432B-8DAE-1953F412C126}" type="datetimeFigureOut">
               <a:rPr lang="en-US" dirty="0"/>
-              <a:t>7/4/21</a:t>
+              <a:t>7/11/21</a:t>
             </a:fld>
             <a:endParaRPr lang="en-US" dirty="0"/>
           </a:p>
@@ -4791,7 +4792,7 @@
           <a:p>
             <a:fld id="{48A87A34-81AB-432B-8DAE-1953F412C126}" type="datetimeFigureOut">
               <a:rPr lang="en-US" dirty="0"/>
-              <a:t>7/4/21</a:t>
+              <a:t>7/11/21</a:t>
             </a:fld>
             <a:endParaRPr lang="en-US" dirty="0"/>
           </a:p>
@@ -5065,7 +5066,7 @@
           <a:p>
             <a:fld id="{48A87A34-81AB-432B-8DAE-1953F412C126}" type="datetimeFigureOut">
               <a:rPr lang="en-US" dirty="0"/>
-              <a:t>7/4/21</a:t>
+              <a:t>7/11/21</a:t>
             </a:fld>
             <a:endParaRPr lang="en-US" dirty="0"/>
           </a:p>
@@ -5372,7 +5373,7 @@
           <a:p>
             <a:fld id="{48A87A34-81AB-432B-8DAE-1953F412C126}" type="datetimeFigureOut">
               <a:rPr lang="en-US" dirty="0"/>
-              <a:t>7/4/21</a:t>
+              <a:t>7/11/21</a:t>
             </a:fld>
             <a:endParaRPr lang="en-US" dirty="0"/>
           </a:p>
@@ -5621,7 +5622,7 @@
             <a:fld id="{48A87A34-81AB-432B-8DAE-1953F412C126}" type="datetimeFigureOut">
               <a:rPr lang="en-US" dirty="0"/>
               <a:pPr/>
-              <a:t>7/4/21</a:t>
+              <a:t>7/11/21</a:t>
             </a:fld>
             <a:endParaRPr lang="en-US" dirty="0"/>
           </a:p>
@@ -6582,14 +6583,14 @@
           <a:lstStyle/>
           <a:p>
             <a:r>
-              <a:rPr lang="en-US"/>
+              <a:rPr lang="en-US" dirty="0"/>
               <a:t>(POST, PUT, DELETE, GET)</a:t>
             </a:r>
           </a:p>
           <a:p>
             <a:r>
               <a:rPr lang="en-US" dirty="0"/>
-              <a:t>HTTP/HTTPS</a:t>
+              <a:t>Protocol: HTTP/HTTPS</a:t>
             </a:r>
           </a:p>
           <a:p>
@@ -6603,6 +6604,17 @@
               <a:rPr lang="en-US" dirty="0"/>
               <a:t>HTTPCLIENT</a:t>
             </a:r>
+          </a:p>
+          <a:p>
+            <a:r>
+              <a:rPr lang="en-US" dirty="0"/>
+              <a:t>Sync </a:t>
+            </a:r>
+            <a:r>
+              <a:rPr lang="en-US"/>
+              <a:t>vs async</a:t>
+            </a:r>
+            <a:endParaRPr lang="en-US" dirty="0"/>
           </a:p>
         </p:txBody>
       </p:sp>
@@ -6610,6 +6622,110 @@
     <p:extLst>
       <p:ext uri="{BB962C8B-B14F-4D97-AF65-F5344CB8AC3E}">
         <p14:creationId xmlns:p14="http://schemas.microsoft.com/office/powerpoint/2010/main" val="556063223"/>
+      </p:ext>
+    </p:extLst>
+  </p:cSld>
+  <p:clrMapOvr>
+    <a:masterClrMapping/>
+  </p:clrMapOvr>
+</p:sld>
+</file>
+
+<file path=ppt/slides/slide14.xml><?xml version="1.0" encoding="utf-8"?>
+<p:sld xmlns:a="http://schemas.openxmlformats.org/drawingml/2006/main" xmlns:r="http://schemas.openxmlformats.org/officeDocument/2006/relationships" xmlns:p="http://schemas.openxmlformats.org/presentationml/2006/main">
+  <p:cSld>
+    <p:spTree>
+      <p:nvGrpSpPr>
+        <p:cNvPr id="1" name=""/>
+        <p:cNvGrpSpPr/>
+        <p:nvPr/>
+      </p:nvGrpSpPr>
+      <p:grpSpPr>
+        <a:xfrm>
+          <a:off x="0" y="0"/>
+          <a:ext cx="0" cy="0"/>
+          <a:chOff x="0" y="0"/>
+          <a:chExt cx="0" cy="0"/>
+        </a:xfrm>
+      </p:grpSpPr>
+      <p:sp>
+        <p:nvSpPr>
+          <p:cNvPr id="2" name="Title 1">
+            <a:extLst>
+              <a:ext uri="{FF2B5EF4-FFF2-40B4-BE49-F238E27FC236}">
+                <a16:creationId xmlns:a16="http://schemas.microsoft.com/office/drawing/2014/main" id="{209E36E6-D16F-9D44-9BFF-7B2C018F2137}"/>
+              </a:ext>
+            </a:extLst>
+          </p:cNvPr>
+          <p:cNvSpPr>
+            <a:spLocks noGrp="1"/>
+          </p:cNvSpPr>
+          <p:nvPr>
+            <p:ph type="title"/>
+          </p:nvPr>
+        </p:nvSpPr>
+        <p:spPr/>
+        <p:txBody>
+          <a:bodyPr/>
+          <a:lstStyle/>
+          <a:p>
+            <a:r>
+              <a:rPr lang="en-US" dirty="0"/>
+              <a:t>Java method</a:t>
+            </a:r>
+          </a:p>
+        </p:txBody>
+      </p:sp>
+      <p:sp>
+        <p:nvSpPr>
+          <p:cNvPr id="3" name="Content Placeholder 2">
+            <a:extLst>
+              <a:ext uri="{FF2B5EF4-FFF2-40B4-BE49-F238E27FC236}">
+                <a16:creationId xmlns:a16="http://schemas.microsoft.com/office/drawing/2014/main" id="{9229CEE2-0378-3949-A78F-421C4D241E3D}"/>
+              </a:ext>
+            </a:extLst>
+          </p:cNvPr>
+          <p:cNvSpPr>
+            <a:spLocks noGrp="1"/>
+          </p:cNvSpPr>
+          <p:nvPr>
+            <p:ph sz="quarter" idx="13"/>
+          </p:nvPr>
+        </p:nvSpPr>
+        <p:spPr/>
+        <p:txBody>
+          <a:bodyPr/>
+          <a:lstStyle/>
+          <a:p>
+            <a:r>
+              <a:rPr lang="en-US" dirty="0"/>
+              <a:t>Code reuse</a:t>
+            </a:r>
+          </a:p>
+          <a:p>
+            <a:r>
+              <a:rPr lang="en-US" dirty="0"/>
+              <a:t>Self explained</a:t>
+            </a:r>
+          </a:p>
+          <a:p>
+            <a:r>
+              <a:rPr lang="en-US" dirty="0"/>
+              <a:t>Easy to read</a:t>
+            </a:r>
+          </a:p>
+          <a:p>
+            <a:r>
+              <a:rPr lang="en-US" dirty="0"/>
+              <a:t>Easy to test</a:t>
+            </a:r>
+          </a:p>
+        </p:txBody>
+      </p:sp>
+    </p:spTree>
+    <p:extLst>
+      <p:ext uri="{BB962C8B-B14F-4D97-AF65-F5344CB8AC3E}">
+        <p14:creationId xmlns:p14="http://schemas.microsoft.com/office/powerpoint/2010/main" val="1546055129"/>
       </p:ext>
     </p:extLst>
   </p:cSld>
